--- a/Python-SheCodesNow.pptx
+++ b/Python-SheCodesNow.pptx
@@ -3030,14 +3030,29 @@
           <a:p>
             <a:pPr algn="ctr"/>
             <a:r>
-              <a:rPr lang="en-US" sz="2800" i="1" dirty="0">
+              <a:rPr lang="en-US" sz="1800" dirty="0">
                 <a:solidFill>
                   <a:srgbClr val="B27EB5"/>
                 </a:solidFill>
                 <a:cs typeface="Silom"/>
               </a:rPr>
-              <a:t>LinkedIn: linkedin.com/in/singhshalinis/</a:t>
-            </a:r>
+              <a:t>GitHub: </a:t>
+            </a:r>
+            <a:r>
+              <a:rPr lang="en-US" sz="1800">
+                <a:solidFill>
+                  <a:srgbClr val="B27EB5"/>
+                </a:solidFill>
+                <a:cs typeface="Silom"/>
+              </a:rPr>
+              <a:t>singhshalinis</a:t>
+            </a:r>
+            <a:endParaRPr lang="en-US" sz="1800" dirty="0">
+              <a:solidFill>
+                <a:srgbClr val="B27EB5"/>
+              </a:solidFill>
+              <a:cs typeface="Silom"/>
+            </a:endParaRPr>
           </a:p>
         </p:txBody>
       </p:sp>
